--- a/Duolingo-MIR-8.pptx
+++ b/Duolingo-MIR-8.pptx
@@ -31,7 +31,7 @@
       <p:bold r:id="rId17"/>
     </p:embeddedFont>
     <p:embeddedFont>
-      <p:font typeface="Didact Gothic" panose="00000500000000000000" pitchFamily="2" charset="0"/>
+      <p:font typeface="Didact Gothic" panose="020B0604020202020204" charset="0"/>
       <p:regular r:id="rId18"/>
     </p:embeddedFont>
   </p:embeddedFontLst>
@@ -270,6 +270,35 @@
     </p:ext>
   </p:extLst>
 </p:presentation>
+</file>
+
+<file path=ppt/changesInfos/changesInfo1.xml><?xml version="1.0" encoding="utf-8"?>
+<pc:chgInfo xmlns:a="http://schemas.openxmlformats.org/drawingml/2006/main" xmlns:r="http://schemas.openxmlformats.org/officeDocument/2006/relationships" xmlns:ac="http://schemas.microsoft.com/office/drawing/2013/main/command" xmlns:pc="http://schemas.microsoft.com/office/powerpoint/2013/main/command">
+  <pc:docChgLst>
+    <pc:chgData name="PEDRO HENRIQUE COTERLI" userId="68986039-041c-441b-ae53-7b2944d09a48" providerId="ADAL" clId="{E0FDFDAF-8558-40DF-BC50-950C9A807688}"/>
+    <pc:docChg chg="modSld">
+      <pc:chgData name="PEDRO HENRIQUE COTERLI" userId="68986039-041c-441b-ae53-7b2944d09a48" providerId="ADAL" clId="{E0FDFDAF-8558-40DF-BC50-950C9A807688}" dt="2024-04-03T15:36:35.982" v="0" actId="1076"/>
+      <pc:docMkLst>
+        <pc:docMk/>
+      </pc:docMkLst>
+      <pc:sldChg chg="modSp mod">
+        <pc:chgData name="PEDRO HENRIQUE COTERLI" userId="68986039-041c-441b-ae53-7b2944d09a48" providerId="ADAL" clId="{E0FDFDAF-8558-40DF-BC50-950C9A807688}" dt="2024-04-03T15:36:35.982" v="0" actId="1076"/>
+        <pc:sldMkLst>
+          <pc:docMk/>
+          <pc:sldMk cId="2478589201" sldId="310"/>
+        </pc:sldMkLst>
+        <pc:picChg chg="mod">
+          <ac:chgData name="PEDRO HENRIQUE COTERLI" userId="68986039-041c-441b-ae53-7b2944d09a48" providerId="ADAL" clId="{E0FDFDAF-8558-40DF-BC50-950C9A807688}" dt="2024-04-03T15:36:35.982" v="0" actId="1076"/>
+          <ac:picMkLst>
+            <pc:docMk/>
+            <pc:sldMk cId="2478589201" sldId="310"/>
+            <ac:picMk id="19" creationId="{6FACC478-40EE-D32C-15B0-0AE70C90D86C}"/>
+          </ac:picMkLst>
+        </pc:picChg>
+      </pc:sldChg>
+    </pc:docChg>
+  </pc:docChgLst>
+</pc:chgInfo>
 </file>
 
 <file path=ppt/notesMasters/notesMaster1.xml><?xml version="1.0" encoding="utf-8"?>
@@ -17654,7 +17683,7 @@
         </p:blipFill>
         <p:spPr>
           <a:xfrm>
-            <a:off x="477120" y="1038409"/>
+            <a:off x="1538977" y="1157355"/>
             <a:ext cx="6066046" cy="2828789"/>
           </a:xfrm>
           <a:prstGeom prst="rect">

--- a/Duolingo-MIR-8.pptx
+++ b/Duolingo-MIR-8.pptx
@@ -31,7 +31,7 @@
       <p:bold r:id="rId17"/>
     </p:embeddedFont>
     <p:embeddedFont>
-      <p:font typeface="Didact Gothic" panose="020B0604020202020204" charset="0"/>
+      <p:font typeface="Didact Gothic" panose="00000500000000000000" pitchFamily="2" charset="0"/>
       <p:regular r:id="rId18"/>
     </p:embeddedFont>
   </p:embeddedFontLst>
@@ -295,6 +295,238 @@
             <ac:picMk id="19" creationId="{6FACC478-40EE-D32C-15B0-0AE70C90D86C}"/>
           </ac:picMkLst>
         </pc:picChg>
+      </pc:sldChg>
+    </pc:docChg>
+  </pc:docChgLst>
+  <pc:docChgLst>
+    <pc:chgData name="PEDRO HENRIQUE COTERLI" userId="68986039-041c-441b-ae53-7b2944d09a48" providerId="ADAL" clId="{37524F02-706A-4876-902B-69268650AA9C}"/>
+    <pc:docChg chg="custSel modSld">
+      <pc:chgData name="PEDRO HENRIQUE COTERLI" userId="68986039-041c-441b-ae53-7b2944d09a48" providerId="ADAL" clId="{37524F02-706A-4876-902B-69268650AA9C}" dt="2024-04-03T21:29:13.170" v="67" actId="1076"/>
+      <pc:docMkLst>
+        <pc:docMk/>
+      </pc:docMkLst>
+      <pc:sldChg chg="modSp mod">
+        <pc:chgData name="PEDRO HENRIQUE COTERLI" userId="68986039-041c-441b-ae53-7b2944d09a48" providerId="ADAL" clId="{37524F02-706A-4876-902B-69268650AA9C}" dt="2024-04-03T21:27:53.223" v="47" actId="20577"/>
+        <pc:sldMkLst>
+          <pc:docMk/>
+          <pc:sldMk cId="0" sldId="270"/>
+        </pc:sldMkLst>
+        <pc:spChg chg="mod">
+          <ac:chgData name="PEDRO HENRIQUE COTERLI" userId="68986039-041c-441b-ae53-7b2944d09a48" providerId="ADAL" clId="{37524F02-706A-4876-902B-69268650AA9C}" dt="2024-04-03T21:27:53.223" v="47" actId="20577"/>
+          <ac:spMkLst>
+            <pc:docMk/>
+            <pc:sldMk cId="0" sldId="270"/>
+            <ac:spMk id="2328" creationId="{00000000-0000-0000-0000-000000000000}"/>
+          </ac:spMkLst>
+        </pc:spChg>
+      </pc:sldChg>
+      <pc:sldChg chg="modSp mod">
+        <pc:chgData name="PEDRO HENRIQUE COTERLI" userId="68986039-041c-441b-ae53-7b2944d09a48" providerId="ADAL" clId="{37524F02-706A-4876-902B-69268650AA9C}" dt="2024-04-03T21:28:04.650" v="55" actId="20577"/>
+        <pc:sldMkLst>
+          <pc:docMk/>
+          <pc:sldMk cId="401240075" sldId="308"/>
+        </pc:sldMkLst>
+        <pc:spChg chg="mod">
+          <ac:chgData name="PEDRO HENRIQUE COTERLI" userId="68986039-041c-441b-ae53-7b2944d09a48" providerId="ADAL" clId="{37524F02-706A-4876-902B-69268650AA9C}" dt="2024-04-03T21:27:57.356" v="49" actId="20577"/>
+          <ac:spMkLst>
+            <pc:docMk/>
+            <pc:sldMk cId="401240075" sldId="308"/>
+            <ac:spMk id="21" creationId="{2CECC6CD-A5B8-F6BC-315D-757AED6B4E56}"/>
+          </ac:spMkLst>
+        </pc:spChg>
+        <pc:spChg chg="mod">
+          <ac:chgData name="PEDRO HENRIQUE COTERLI" userId="68986039-041c-441b-ae53-7b2944d09a48" providerId="ADAL" clId="{37524F02-706A-4876-902B-69268650AA9C}" dt="2024-04-03T21:27:59.597" v="51" actId="20577"/>
+          <ac:spMkLst>
+            <pc:docMk/>
+            <pc:sldMk cId="401240075" sldId="308"/>
+            <ac:spMk id="29" creationId="{8360B797-17A9-5582-FFF6-D07583E9CE04}"/>
+          </ac:spMkLst>
+        </pc:spChg>
+        <pc:spChg chg="mod">
+          <ac:chgData name="PEDRO HENRIQUE COTERLI" userId="68986039-041c-441b-ae53-7b2944d09a48" providerId="ADAL" clId="{37524F02-706A-4876-902B-69268650AA9C}" dt="2024-04-03T21:28:02.234" v="53" actId="20577"/>
+          <ac:spMkLst>
+            <pc:docMk/>
+            <pc:sldMk cId="401240075" sldId="308"/>
+            <ac:spMk id="41" creationId="{14E14D0A-DCF2-7FE1-8A6B-185D57D53EDA}"/>
+          </ac:spMkLst>
+        </pc:spChg>
+        <pc:spChg chg="mod">
+          <ac:chgData name="PEDRO HENRIQUE COTERLI" userId="68986039-041c-441b-ae53-7b2944d09a48" providerId="ADAL" clId="{37524F02-706A-4876-902B-69268650AA9C}" dt="2024-04-03T21:28:04.650" v="55" actId="20577"/>
+          <ac:spMkLst>
+            <pc:docMk/>
+            <pc:sldMk cId="401240075" sldId="308"/>
+            <ac:spMk id="48" creationId="{26CF8439-2B61-F2A2-A15F-650FB1F5AC94}"/>
+          </ac:spMkLst>
+        </pc:spChg>
+      </pc:sldChg>
+      <pc:sldChg chg="modSp mod">
+        <pc:chgData name="PEDRO HENRIQUE COTERLI" userId="68986039-041c-441b-ae53-7b2944d09a48" providerId="ADAL" clId="{37524F02-706A-4876-902B-69268650AA9C}" dt="2024-04-03T21:27:48.782" v="45" actId="20577"/>
+        <pc:sldMkLst>
+          <pc:docMk/>
+          <pc:sldMk cId="1523264343" sldId="309"/>
+        </pc:sldMkLst>
+        <pc:spChg chg="mod">
+          <ac:chgData name="PEDRO HENRIQUE COTERLI" userId="68986039-041c-441b-ae53-7b2944d09a48" providerId="ADAL" clId="{37524F02-706A-4876-902B-69268650AA9C}" dt="2024-04-03T21:27:48.782" v="45" actId="20577"/>
+          <ac:spMkLst>
+            <pc:docMk/>
+            <pc:sldMk cId="1523264343" sldId="309"/>
+            <ac:spMk id="12" creationId="{6D0632CD-FA1D-9D9E-62FC-AD9659ACBB39}"/>
+          </ac:spMkLst>
+        </pc:spChg>
+      </pc:sldChg>
+      <pc:sldChg chg="modSp mod">
+        <pc:chgData name="PEDRO HENRIQUE COTERLI" userId="68986039-041c-441b-ae53-7b2944d09a48" providerId="ADAL" clId="{37524F02-706A-4876-902B-69268650AA9C}" dt="2024-04-03T21:22:28.616" v="22" actId="20577"/>
+        <pc:sldMkLst>
+          <pc:docMk/>
+          <pc:sldMk cId="1787295972" sldId="312"/>
+        </pc:sldMkLst>
+        <pc:spChg chg="mod">
+          <ac:chgData name="PEDRO HENRIQUE COTERLI" userId="68986039-041c-441b-ae53-7b2944d09a48" providerId="ADAL" clId="{37524F02-706A-4876-902B-69268650AA9C}" dt="2024-04-03T21:22:04.863" v="20" actId="20577"/>
+          <ac:spMkLst>
+            <pc:docMk/>
+            <pc:sldMk cId="1787295972" sldId="312"/>
+            <ac:spMk id="4" creationId="{5F883FBC-5F9C-E370-E74F-9D84C7C4D0FE}"/>
+          </ac:spMkLst>
+        </pc:spChg>
+        <pc:spChg chg="mod">
+          <ac:chgData name="PEDRO HENRIQUE COTERLI" userId="68986039-041c-441b-ae53-7b2944d09a48" providerId="ADAL" clId="{37524F02-706A-4876-902B-69268650AA9C}" dt="2024-04-03T21:22:28.616" v="22" actId="20577"/>
+          <ac:spMkLst>
+            <pc:docMk/>
+            <pc:sldMk cId="1787295972" sldId="312"/>
+            <ac:spMk id="18" creationId="{53CC8596-BA52-59DE-3646-6B8034638747}"/>
+          </ac:spMkLst>
+        </pc:spChg>
+      </pc:sldChg>
+      <pc:sldChg chg="addSp delSp modSp mod">
+        <pc:chgData name="PEDRO HENRIQUE COTERLI" userId="68986039-041c-441b-ae53-7b2944d09a48" providerId="ADAL" clId="{37524F02-706A-4876-902B-69268650AA9C}" dt="2024-04-03T21:26:34.874" v="39" actId="1076"/>
+        <pc:sldMkLst>
+          <pc:docMk/>
+          <pc:sldMk cId="3357921255" sldId="313"/>
+        </pc:sldMkLst>
+        <pc:picChg chg="add mod">
+          <ac:chgData name="PEDRO HENRIQUE COTERLI" userId="68986039-041c-441b-ae53-7b2944d09a48" providerId="ADAL" clId="{37524F02-706A-4876-902B-69268650AA9C}" dt="2024-04-03T21:26:34.874" v="39" actId="1076"/>
+          <ac:picMkLst>
+            <pc:docMk/>
+            <pc:sldMk cId="3357921255" sldId="313"/>
+            <ac:picMk id="3" creationId="{ADF15562-626B-7621-CF92-6E1CBD0768E8}"/>
+          </ac:picMkLst>
+        </pc:picChg>
+        <pc:picChg chg="del">
+          <ac:chgData name="PEDRO HENRIQUE COTERLI" userId="68986039-041c-441b-ae53-7b2944d09a48" providerId="ADAL" clId="{37524F02-706A-4876-902B-69268650AA9C}" dt="2024-04-03T21:26:25.306" v="34" actId="478"/>
+          <ac:picMkLst>
+            <pc:docMk/>
+            <pc:sldMk cId="3357921255" sldId="313"/>
+            <ac:picMk id="4" creationId="{5EDA0A5D-0181-F4B1-DA9E-F64B009DCAD3}"/>
+          </ac:picMkLst>
+        </pc:picChg>
+      </pc:sldChg>
+      <pc:sldChg chg="addSp delSp modSp mod">
+        <pc:chgData name="PEDRO HENRIQUE COTERLI" userId="68986039-041c-441b-ae53-7b2944d09a48" providerId="ADAL" clId="{37524F02-706A-4876-902B-69268650AA9C}" dt="2024-04-03T21:27:01.178" v="43" actId="1076"/>
+        <pc:sldMkLst>
+          <pc:docMk/>
+          <pc:sldMk cId="2305298661" sldId="314"/>
+        </pc:sldMkLst>
+        <pc:picChg chg="del">
+          <ac:chgData name="PEDRO HENRIQUE COTERLI" userId="68986039-041c-441b-ae53-7b2944d09a48" providerId="ADAL" clId="{37524F02-706A-4876-902B-69268650AA9C}" dt="2024-04-03T21:24:56.592" v="23" actId="478"/>
+          <ac:picMkLst>
+            <pc:docMk/>
+            <pc:sldMk cId="2305298661" sldId="314"/>
+            <ac:picMk id="3" creationId="{F5AEB67B-8DF0-1938-7493-E01C846E9C7A}"/>
+          </ac:picMkLst>
+        </pc:picChg>
+        <pc:picChg chg="add del mod">
+          <ac:chgData name="PEDRO HENRIQUE COTERLI" userId="68986039-041c-441b-ae53-7b2944d09a48" providerId="ADAL" clId="{37524F02-706A-4876-902B-69268650AA9C}" dt="2024-04-03T21:26:05.906" v="28" actId="478"/>
+          <ac:picMkLst>
+            <pc:docMk/>
+            <pc:sldMk cId="2305298661" sldId="314"/>
+            <ac:picMk id="4" creationId="{41814322-EE15-8AF7-FED7-206441E5CCDC}"/>
+          </ac:picMkLst>
+        </pc:picChg>
+        <pc:picChg chg="add del mod">
+          <ac:chgData name="PEDRO HENRIQUE COTERLI" userId="68986039-041c-441b-ae53-7b2944d09a48" providerId="ADAL" clId="{37524F02-706A-4876-902B-69268650AA9C}" dt="2024-04-03T21:26:36.772" v="40" actId="478"/>
+          <ac:picMkLst>
+            <pc:docMk/>
+            <pc:sldMk cId="2305298661" sldId="314"/>
+            <ac:picMk id="6" creationId="{8C44017E-BCB7-DE44-BC6A-5A08F5E2A44B}"/>
+          </ac:picMkLst>
+        </pc:picChg>
+        <pc:picChg chg="add mod">
+          <ac:chgData name="PEDRO HENRIQUE COTERLI" userId="68986039-041c-441b-ae53-7b2944d09a48" providerId="ADAL" clId="{37524F02-706A-4876-902B-69268650AA9C}" dt="2024-04-03T21:27:01.178" v="43" actId="1076"/>
+          <ac:picMkLst>
+            <pc:docMk/>
+            <pc:sldMk cId="2305298661" sldId="314"/>
+            <ac:picMk id="8" creationId="{48216C02-7BC9-1FD1-C991-3F2CF6E2001C}"/>
+          </ac:picMkLst>
+        </pc:picChg>
+      </pc:sldChg>
+      <pc:sldChg chg="addSp delSp modSp mod">
+        <pc:chgData name="PEDRO HENRIQUE COTERLI" userId="68986039-041c-441b-ae53-7b2944d09a48" providerId="ADAL" clId="{37524F02-706A-4876-902B-69268650AA9C}" dt="2024-04-03T21:28:56.274" v="63" actId="1076"/>
+        <pc:sldMkLst>
+          <pc:docMk/>
+          <pc:sldMk cId="149321415" sldId="315"/>
+        </pc:sldMkLst>
+        <pc:picChg chg="add mod">
+          <ac:chgData name="PEDRO HENRIQUE COTERLI" userId="68986039-041c-441b-ae53-7b2944d09a48" providerId="ADAL" clId="{37524F02-706A-4876-902B-69268650AA9C}" dt="2024-04-03T21:28:56.274" v="63" actId="1076"/>
+          <ac:picMkLst>
+            <pc:docMk/>
+            <pc:sldMk cId="149321415" sldId="315"/>
+            <ac:picMk id="3" creationId="{3361F5A0-B09B-2235-04A0-D07858C93172}"/>
+          </ac:picMkLst>
+        </pc:picChg>
+        <pc:picChg chg="del">
+          <ac:chgData name="PEDRO HENRIQUE COTERLI" userId="68986039-041c-441b-ae53-7b2944d09a48" providerId="ADAL" clId="{37524F02-706A-4876-902B-69268650AA9C}" dt="2024-04-03T21:28:50.046" v="58" actId="478"/>
+          <ac:picMkLst>
+            <pc:docMk/>
+            <pc:sldMk cId="149321415" sldId="315"/>
+            <ac:picMk id="12" creationId="{E5C2EAD5-232D-7689-1F37-68D032691BF3}"/>
+          </ac:picMkLst>
+        </pc:picChg>
+        <pc:picChg chg="del">
+          <ac:chgData name="PEDRO HENRIQUE COTERLI" userId="68986039-041c-441b-ae53-7b2944d09a48" providerId="ADAL" clId="{37524F02-706A-4876-902B-69268650AA9C}" dt="2024-04-03T21:28:50.413" v="59" actId="478"/>
+          <ac:picMkLst>
+            <pc:docMk/>
+            <pc:sldMk cId="149321415" sldId="315"/>
+            <ac:picMk id="14" creationId="{64154936-1F84-4E95-53B8-EF880C679931}"/>
+          </ac:picMkLst>
+        </pc:picChg>
+      </pc:sldChg>
+      <pc:sldChg chg="modSp mod">
+        <pc:chgData name="PEDRO HENRIQUE COTERLI" userId="68986039-041c-441b-ae53-7b2944d09a48" providerId="ADAL" clId="{37524F02-706A-4876-902B-69268650AA9C}" dt="2024-04-03T21:29:13.170" v="67" actId="1076"/>
+        <pc:sldMkLst>
+          <pc:docMk/>
+          <pc:sldMk cId="2437443498" sldId="316"/>
+        </pc:sldMkLst>
+        <pc:spChg chg="mod">
+          <ac:chgData name="PEDRO HENRIQUE COTERLI" userId="68986039-041c-441b-ae53-7b2944d09a48" providerId="ADAL" clId="{37524F02-706A-4876-902B-69268650AA9C}" dt="2024-04-03T21:29:05.092" v="65" actId="20577"/>
+          <ac:spMkLst>
+            <pc:docMk/>
+            <pc:sldMk cId="2437443498" sldId="316"/>
+            <ac:spMk id="7" creationId="{0CAD0357-BB06-FAA6-DB00-F2F861827B05}"/>
+          </ac:spMkLst>
+        </pc:spChg>
+        <pc:picChg chg="mod">
+          <ac:chgData name="PEDRO HENRIQUE COTERLI" userId="68986039-041c-441b-ae53-7b2944d09a48" providerId="ADAL" clId="{37524F02-706A-4876-902B-69268650AA9C}" dt="2024-04-03T21:29:13.170" v="67" actId="1076"/>
+          <ac:picMkLst>
+            <pc:docMk/>
+            <pc:sldMk cId="2437443498" sldId="316"/>
+            <ac:picMk id="3" creationId="{24083254-D009-7CA5-3CE5-C6AECC6951F8}"/>
+          </ac:picMkLst>
+        </pc:picChg>
+      </pc:sldChg>
+      <pc:sldChg chg="modSp mod">
+        <pc:chgData name="PEDRO HENRIQUE COTERLI" userId="68986039-041c-441b-ae53-7b2944d09a48" providerId="ADAL" clId="{37524F02-706A-4876-902B-69268650AA9C}" dt="2024-04-03T21:28:10.652" v="57" actId="20577"/>
+        <pc:sldMkLst>
+          <pc:docMk/>
+          <pc:sldMk cId="1949309160" sldId="317"/>
+        </pc:sldMkLst>
+        <pc:spChg chg="mod">
+          <ac:chgData name="PEDRO HENRIQUE COTERLI" userId="68986039-041c-441b-ae53-7b2944d09a48" providerId="ADAL" clId="{37524F02-706A-4876-902B-69268650AA9C}" dt="2024-04-03T21:28:10.652" v="57" actId="20577"/>
+          <ac:spMkLst>
+            <pc:docMk/>
+            <pc:sldMk cId="1949309160" sldId="317"/>
+            <ac:spMk id="2328" creationId="{00000000-0000-0000-0000-000000000000}"/>
+          </ac:spMkLst>
+        </pc:spChg>
       </pc:sldChg>
     </pc:docChg>
   </pc:docChgLst>
@@ -12448,10 +12680,10 @@
       </p:grpSpPr>
       <p:pic>
         <p:nvPicPr>
-          <p:cNvPr id="3" name="Imagem 2">
+          <p:cNvPr id="8" name="Imagem 7">
             <a:extLst>
               <a:ext uri="{FF2B5EF4-FFF2-40B4-BE49-F238E27FC236}">
-                <a16:creationId xmlns:a16="http://schemas.microsoft.com/office/drawing/2014/main" id="{F5AEB67B-8DF0-1938-7493-E01C846E9C7A}"/>
+                <a16:creationId xmlns:a16="http://schemas.microsoft.com/office/drawing/2014/main" id="{48216C02-7BC9-1FD1-C991-3F2CF6E2001C}"/>
               </a:ext>
             </a:extLst>
           </p:cNvPr>
@@ -12468,8 +12700,8 @@
         </p:blipFill>
         <p:spPr>
           <a:xfrm>
-            <a:off x="0" y="302387"/>
-            <a:ext cx="9144000" cy="4538725"/>
+            <a:off x="1319675" y="963073"/>
+            <a:ext cx="6504649" cy="3217354"/>
           </a:xfrm>
           <a:prstGeom prst="rect">
             <a:avLst/>
@@ -12579,10 +12811,10 @@
       </p:grpSpPr>
       <p:pic>
         <p:nvPicPr>
-          <p:cNvPr id="12" name="Imagem 11">
+          <p:cNvPr id="3" name="Imagem 2">
             <a:extLst>
               <a:ext uri="{FF2B5EF4-FFF2-40B4-BE49-F238E27FC236}">
-                <a16:creationId xmlns:a16="http://schemas.microsoft.com/office/drawing/2014/main" id="{E5C2EAD5-232D-7689-1F37-68D032691BF3}"/>
+                <a16:creationId xmlns:a16="http://schemas.microsoft.com/office/drawing/2014/main" id="{3361F5A0-B09B-2235-04A0-D07858C93172}"/>
               </a:ext>
             </a:extLst>
           </p:cNvPr>
@@ -12599,38 +12831,8 @@
         </p:blipFill>
         <p:spPr>
           <a:xfrm>
-            <a:off x="0" y="470708"/>
-            <a:ext cx="9144000" cy="1487623"/>
-          </a:xfrm>
-          <a:prstGeom prst="rect">
-            <a:avLst/>
-          </a:prstGeom>
-        </p:spPr>
-      </p:pic>
-      <p:pic>
-        <p:nvPicPr>
-          <p:cNvPr id="14" name="Imagem 13">
-            <a:extLst>
-              <a:ext uri="{FF2B5EF4-FFF2-40B4-BE49-F238E27FC236}">
-                <a16:creationId xmlns:a16="http://schemas.microsoft.com/office/drawing/2014/main" id="{64154936-1F84-4E95-53B8-EF880C679931}"/>
-              </a:ext>
-            </a:extLst>
-          </p:cNvPr>
-          <p:cNvPicPr>
-            <a:picLocks noChangeAspect="1"/>
-          </p:cNvPicPr>
-          <p:nvPr/>
-        </p:nvPicPr>
-        <p:blipFill>
-          <a:blip r:embed="rId4"/>
-          <a:stretch>
-            <a:fillRect/>
-          </a:stretch>
-        </p:blipFill>
-        <p:spPr>
-          <a:xfrm>
-            <a:off x="0" y="2194619"/>
-            <a:ext cx="9144000" cy="2478173"/>
+            <a:off x="474133" y="413105"/>
+            <a:ext cx="8195733" cy="4317289"/>
           </a:xfrm>
           <a:prstGeom prst="rect">
             <a:avLst/>
@@ -12957,7 +13159,7 @@
                 </a:solidFill>
                 <a:latin typeface="+mj-lt"/>
               </a:rPr>
-              <a:t>Divisão de Trabalho</a:t>
+              <a:t>Divisão de trabalho</a:t>
             </a:r>
           </a:p>
         </p:txBody>
@@ -12984,8 +13186,8 @@
         </p:blipFill>
         <p:spPr>
           <a:xfrm>
-            <a:off x="-25" y="1964307"/>
-            <a:ext cx="9144000" cy="2286000"/>
+            <a:off x="372614" y="1885285"/>
+            <a:ext cx="8398772" cy="2099693"/>
           </a:xfrm>
           <a:prstGeom prst="rect">
             <a:avLst/>
@@ -13817,7 +14019,7 @@
                 </a:solidFill>
                 <a:latin typeface="+mj-lt"/>
               </a:rPr>
-              <a:t>Objetivos Informacionais</a:t>
+              <a:t>Objetivos informacionais</a:t>
             </a:r>
           </a:p>
         </p:txBody>
@@ -13918,7 +14120,7 @@
                 </a:solidFill>
                 <a:latin typeface="+mj-lt"/>
               </a:rPr>
-              <a:t>Objetivos Organizacionais</a:t>
+              <a:t>Objetivos organizacionais</a:t>
             </a:r>
           </a:p>
         </p:txBody>
@@ -14553,7 +14755,7 @@
           <a:p>
             <a:r>
               <a:rPr lang="pt-BR" dirty="0"/>
-              <a:t>ADM: Criar Lição</a:t>
+              <a:t>ADM: Criar lição</a:t>
             </a:r>
           </a:p>
         </p:txBody>
@@ -15421,7 +15623,7 @@
           <a:p>
             <a:r>
               <a:rPr lang="pt-BR" dirty="0"/>
-              <a:t>ADM: Alterar Lição</a:t>
+              <a:t>ADM: Alterar lição</a:t>
             </a:r>
           </a:p>
         </p:txBody>
@@ -15895,7 +16097,7 @@
           <a:p>
             <a:r>
               <a:rPr lang="pt-BR" dirty="0"/>
-              <a:t>SIS: Mandar Notificação</a:t>
+              <a:t>SIS: Mandar notificação</a:t>
             </a:r>
           </a:p>
         </p:txBody>
@@ -16215,7 +16417,7 @@
           <a:p>
             <a:r>
               <a:rPr lang="pt-BR" dirty="0"/>
-              <a:t>ADM: Checar Feedbacks</a:t>
+              <a:t>ADM: Checar feedbacks</a:t>
             </a:r>
           </a:p>
         </p:txBody>
@@ -17770,7 +17972,7 @@
           <a:p>
             <a:r>
               <a:rPr lang="pt-BR" dirty="0"/>
-              <a:t>Usuário: Outras Interações</a:t>
+              <a:t>Usuário: Fazer compras na loja</a:t>
             </a:r>
           </a:p>
         </p:txBody>
@@ -18173,7 +18375,7 @@
           <a:p>
             <a:r>
               <a:rPr lang="pt-BR" dirty="0"/>
-              <a:t>Usuário: Ver Perfil</a:t>
+              <a:t>Usuário: Ver perfil</a:t>
             </a:r>
           </a:p>
         </p:txBody>
@@ -18616,7 +18818,7 @@
                 </a:solidFill>
                 <a:latin typeface="+mj-lt"/>
               </a:rPr>
-              <a:t>Informacionais</a:t>
+              <a:t>informacionais</a:t>
             </a:r>
           </a:p>
         </p:txBody>
@@ -18653,10 +18855,10 @@
       </p:grpSpPr>
       <p:pic>
         <p:nvPicPr>
-          <p:cNvPr id="4" name="Imagem 3">
+          <p:cNvPr id="3" name="Imagem 2">
             <a:extLst>
               <a:ext uri="{FF2B5EF4-FFF2-40B4-BE49-F238E27FC236}">
-                <a16:creationId xmlns:a16="http://schemas.microsoft.com/office/drawing/2014/main" id="{5EDA0A5D-0181-F4B1-DA9E-F64B009DCAD3}"/>
+                <a16:creationId xmlns:a16="http://schemas.microsoft.com/office/drawing/2014/main" id="{ADF15562-626B-7621-CF92-6E1CBD0768E8}"/>
               </a:ext>
             </a:extLst>
           </p:cNvPr>
@@ -18673,8 +18875,8 @@
         </p:blipFill>
         <p:spPr>
           <a:xfrm>
-            <a:off x="0" y="704583"/>
-            <a:ext cx="9144000" cy="3734333"/>
+            <a:off x="1272260" y="1223469"/>
+            <a:ext cx="6599480" cy="2696562"/>
           </a:xfrm>
           <a:prstGeom prst="rect">
             <a:avLst/>
